--- a/Presentation investisseurs 2 [Enregistré automatiquement].pptx
+++ b/Presentation investisseurs 2 [Enregistré automatiquement].pptx
@@ -19,7 +19,7 @@
     <p:sldId id="266" r:id="rId10"/>
     <p:sldId id="264" r:id="rId11"/>
     <p:sldId id="267" r:id="rId12"/>
-    <p:sldId id="268" r:id="rId13"/>
+    <p:sldId id="271" r:id="rId13"/>
   </p:sldIdLst>
   <p:sldSz cx="24384000" cy="13716000"/>
   <p:notesSz cx="6858000" cy="9144000"/>
@@ -20109,7 +20109,7 @@
           <a:bodyPr/>
           <a:lstStyle/>
           <a:p>
-            <a:fld id="{FEE42E73-23A7-4465-BCF3-E0477CD7DB9A}" type="datetime1">
+            <a:fld id="{F33629E0-5883-481F-838E-004FC23D5A67}" type="datetime1">
               <a:rPr lang="fr-FR" smtClean="0"/>
               <a:t>10/12/2018</a:t>
             </a:fld>
@@ -20407,9 +20407,9 @@
           <a:bodyPr/>
           <a:lstStyle/>
           <a:p>
-            <a:fld id="{48A87A34-81AB-432B-8DAE-1953F412C126}" type="datetimeFigureOut">
-              <a:rPr lang="en-US" smtClean="0"/>
-              <a:t>12/10/2018</a:t>
+            <a:fld id="{EE5CFFA0-899B-4B21-B15D-51C815C2036B}" type="datetime1">
+              <a:rPr lang="fr-FR" smtClean="0"/>
+              <a:t>10/12/2018</a:t>
             </a:fld>
             <a:endParaRPr lang="en-US" dirty="0"/>
           </a:p>
@@ -20599,9 +20599,9 @@
           <a:bodyPr/>
           <a:lstStyle/>
           <a:p>
-            <a:fld id="{48A87A34-81AB-432B-8DAE-1953F412C126}" type="datetimeFigureOut">
-              <a:rPr lang="en-US" smtClean="0"/>
-              <a:t>12/10/2018</a:t>
+            <a:fld id="{1970778C-5CBC-4CE7-BC38-10827DC82FFA}" type="datetime1">
+              <a:rPr lang="fr-FR" smtClean="0"/>
+              <a:t>10/12/2018</a:t>
             </a:fld>
             <a:endParaRPr lang="en-US" dirty="0"/>
           </a:p>
@@ -20860,9 +20860,9 @@
           <a:bodyPr/>
           <a:lstStyle/>
           <a:p>
-            <a:fld id="{48A87A34-81AB-432B-8DAE-1953F412C126}" type="datetimeFigureOut">
-              <a:rPr lang="en-US" smtClean="0"/>
-              <a:t>12/10/2018</a:t>
+            <a:fld id="{664F84C0-3166-4E72-9AC4-2E5716DF0008}" type="datetime1">
+              <a:rPr lang="fr-FR" smtClean="0"/>
+              <a:t>10/12/2018</a:t>
             </a:fld>
             <a:endParaRPr lang="en-US" dirty="0"/>
           </a:p>
@@ -21284,9 +21284,9 @@
           <a:bodyPr/>
           <a:lstStyle/>
           <a:p>
-            <a:fld id="{48A87A34-81AB-432B-8DAE-1953F412C126}" type="datetimeFigureOut">
-              <a:rPr lang="en-US" smtClean="0"/>
-              <a:t>12/10/2018</a:t>
+            <a:fld id="{8BE91C46-AD51-44A5-8B78-B2D22CAE0DE6}" type="datetime1">
+              <a:rPr lang="fr-FR" smtClean="0"/>
+              <a:t>10/12/2018</a:t>
             </a:fld>
             <a:endParaRPr lang="en-US" dirty="0"/>
           </a:p>
@@ -21821,9 +21821,9 @@
           <a:bodyPr/>
           <a:lstStyle/>
           <a:p>
-            <a:fld id="{48A87A34-81AB-432B-8DAE-1953F412C126}" type="datetimeFigureOut">
-              <a:rPr lang="en-US" smtClean="0"/>
-              <a:t>12/10/2018</a:t>
+            <a:fld id="{698AD273-B5A5-4E43-8976-29F2D3EF19A9}" type="datetime1">
+              <a:rPr lang="fr-FR" smtClean="0"/>
+              <a:t>10/12/2018</a:t>
             </a:fld>
             <a:endParaRPr lang="en-US" dirty="0"/>
           </a:p>
@@ -22685,9 +22685,9 @@
           <a:bodyPr/>
           <a:lstStyle/>
           <a:p>
-            <a:fld id="{48A87A34-81AB-432B-8DAE-1953F412C126}" type="datetimeFigureOut">
-              <a:rPr lang="en-US" smtClean="0"/>
-              <a:t>12/10/2018</a:t>
+            <a:fld id="{C691DFC6-1B85-4E6E-99B8-5373CD0C4F25}" type="datetime1">
+              <a:rPr lang="fr-FR" smtClean="0"/>
+              <a:t>10/12/2018</a:t>
             </a:fld>
             <a:endParaRPr lang="en-US" dirty="0"/>
           </a:p>
@@ -22855,10 +22855,9 @@
           <a:bodyPr/>
           <a:lstStyle/>
           <a:p>
-            <a:fld id="{8E36636D-D922-432D-A958-524484B5923D}" type="datetimeFigureOut">
-              <a:rPr lang="en-US" smtClean="0"/>
-              <a:pPr/>
-              <a:t>12/10/2018</a:t>
+            <a:fld id="{57EF2464-59B8-4BFE-BE34-8EA4AD92779D}" type="datetime1">
+              <a:rPr lang="fr-FR" smtClean="0"/>
+              <a:t>10/12/2018</a:t>
             </a:fld>
             <a:endParaRPr lang="en-US" dirty="0"/>
           </a:p>
@@ -23040,10 +23039,9 @@
           <a:bodyPr/>
           <a:lstStyle/>
           <a:p>
-            <a:fld id="{8E36636D-D922-432D-A958-524484B5923D}" type="datetimeFigureOut">
-              <a:rPr lang="en-US" smtClean="0"/>
-              <a:pPr/>
-              <a:t>12/10/2018</a:t>
+            <a:fld id="{431AE6E3-5F07-40D7-A0A4-676487DB5AD3}" type="datetime1">
+              <a:rPr lang="fr-FR" smtClean="0"/>
+              <a:t>10/12/2018</a:t>
             </a:fld>
             <a:endParaRPr lang="en-US" dirty="0"/>
           </a:p>
@@ -23211,7 +23209,7 @@
           <a:bodyPr/>
           <a:lstStyle/>
           <a:p>
-            <a:fld id="{B44B3554-D3C3-490C-B647-832054BA1F15}" type="datetime1">
+            <a:fld id="{F2542C6F-5CA2-4EF6-B496-766A617BD386}" type="datetime1">
               <a:rPr lang="fr-FR" smtClean="0"/>
               <a:t>10/12/2018</a:t>
             </a:fld>
@@ -23455,10 +23453,9 @@
           <a:bodyPr/>
           <a:lstStyle/>
           <a:p>
-            <a:fld id="{8E36636D-D922-432D-A958-524484B5923D}" type="datetimeFigureOut">
-              <a:rPr lang="en-US" smtClean="0"/>
-              <a:pPr/>
-              <a:t>12/10/2018</a:t>
+            <a:fld id="{428B1C31-79DF-4847-9627-DB602FB23A2A}" type="datetime1">
+              <a:rPr lang="fr-FR" smtClean="0"/>
+              <a:t>10/12/2018</a:t>
             </a:fld>
             <a:endParaRPr lang="en-US" dirty="0"/>
           </a:p>
@@ -23692,10 +23689,9 @@
           <a:bodyPr/>
           <a:lstStyle/>
           <a:p>
-            <a:fld id="{8E36636D-D922-432D-A958-524484B5923D}" type="datetimeFigureOut">
-              <a:rPr lang="en-US" smtClean="0"/>
-              <a:pPr/>
-              <a:t>12/10/2018</a:t>
+            <a:fld id="{B8C4EE18-004C-4EF4-8F2E-3C7D4898C3F6}" type="datetime1">
+              <a:rPr lang="fr-FR" smtClean="0"/>
+              <a:t>10/12/2018</a:t>
             </a:fld>
             <a:endParaRPr lang="en-US" dirty="0"/>
           </a:p>
@@ -24159,10 +24155,9 @@
           <a:bodyPr/>
           <a:lstStyle/>
           <a:p>
-            <a:fld id="{8E36636D-D922-432D-A958-524484B5923D}" type="datetimeFigureOut">
-              <a:rPr lang="en-US" smtClean="0"/>
-              <a:pPr/>
-              <a:t>12/10/2018</a:t>
+            <a:fld id="{B403A923-3700-4B60-B65B-87410B73A9E3}" type="datetime1">
+              <a:rPr lang="fr-FR" smtClean="0"/>
+              <a:t>10/12/2018</a:t>
             </a:fld>
             <a:endParaRPr lang="en-US" dirty="0"/>
           </a:p>
@@ -24278,10 +24273,9 @@
           <a:bodyPr/>
           <a:lstStyle/>
           <a:p>
-            <a:fld id="{8E36636D-D922-432D-A958-524484B5923D}" type="datetimeFigureOut">
-              <a:rPr lang="en-US" smtClean="0"/>
-              <a:pPr/>
-              <a:t>12/10/2018</a:t>
+            <a:fld id="{A3B77F9E-B051-4F08-90ED-2BF186B81072}" type="datetime1">
+              <a:rPr lang="fr-FR" smtClean="0"/>
+              <a:t>10/12/2018</a:t>
             </a:fld>
             <a:endParaRPr lang="en-US" dirty="0"/>
           </a:p>
@@ -24374,10 +24368,9 @@
           <a:bodyPr/>
           <a:lstStyle/>
           <a:p>
-            <a:fld id="{8E36636D-D922-432D-A958-524484B5923D}" type="datetimeFigureOut">
-              <a:rPr lang="en-US" smtClean="0"/>
-              <a:pPr/>
-              <a:t>12/10/2018</a:t>
+            <a:fld id="{D561E805-84F6-455E-B45C-B7CAED67243F}" type="datetime1">
+              <a:rPr lang="fr-FR" smtClean="0"/>
+              <a:t>10/12/2018</a:t>
             </a:fld>
             <a:endParaRPr lang="en-US" dirty="0"/>
           </a:p>
@@ -24630,10 +24623,9 @@
           <a:bodyPr/>
           <a:lstStyle/>
           <a:p>
-            <a:fld id="{8E36636D-D922-432D-A958-524484B5923D}" type="datetimeFigureOut">
-              <a:rPr lang="en-US" smtClean="0"/>
-              <a:pPr/>
-              <a:t>12/10/2018</a:t>
+            <a:fld id="{1181F3CE-F8C2-4875-BA96-686577C5A262}" type="datetime1">
+              <a:rPr lang="fr-FR" smtClean="0"/>
+              <a:t>10/12/2018</a:t>
             </a:fld>
             <a:endParaRPr lang="en-US" dirty="0"/>
           </a:p>
@@ -24931,10 +24923,9 @@
           <a:bodyPr/>
           <a:lstStyle/>
           <a:p>
-            <a:fld id="{8E36636D-D922-432D-A958-524484B5923D}" type="datetimeFigureOut">
-              <a:rPr lang="en-US" smtClean="0"/>
-              <a:pPr/>
-              <a:t>12/10/2018</a:t>
+            <a:fld id="{B2812682-B210-4A36-B55E-74D8F7723948}" type="datetime1">
+              <a:rPr lang="fr-FR" smtClean="0"/>
+              <a:t>10/12/2018</a:t>
             </a:fld>
             <a:endParaRPr lang="en-US" dirty="0"/>
           </a:p>
@@ -25166,10 +25157,9 @@
             </a:lvl1pPr>
           </a:lstStyle>
           <a:p>
-            <a:fld id="{8E36636D-D922-432D-A958-524484B5923D}" type="datetimeFigureOut">
-              <a:rPr lang="en-US" smtClean="0"/>
-              <a:pPr/>
-              <a:t>12/10/2018</a:t>
+            <a:fld id="{04FD8F49-84BC-4F5A-B00F-55A2C4ECB08F}" type="datetime1">
+              <a:rPr lang="fr-FR" smtClean="0"/>
+              <a:t>10/12/2018</a:t>
             </a:fld>
             <a:endParaRPr lang="en-US" dirty="0"/>
           </a:p>
@@ -25294,6 +25284,7 @@
     <p:sldLayoutId id="2147483802" r:id="rId16"/>
     <p:sldLayoutId id="2147483803" r:id="rId17"/>
   </p:sldLayoutIdLst>
+  <p:hf hdr="0" dt="0"/>
   <p:txStyles>
     <p:titleStyle>
       <a:lvl1pPr algn="ctr" defTabSz="914400" rtl="0" eaLnBrk="1" latinLnBrk="0" hangingPunct="1">
@@ -25866,11 +25857,13 @@
           </a:xfrm>
         </p:spPr>
         <p:txBody>
-          <a:bodyPr/>
+          <a:bodyPr>
+            <a:normAutofit/>
+          </a:bodyPr>
           <a:lstStyle/>
           <a:p>
             <a:r>
-              <a:rPr lang="fr-FR" dirty="0"/>
+              <a:rPr lang="fr-FR" sz="4800" dirty="0"/>
               <a:t>POURQUOI SOMMES-NOUS LÀ DEVANT VOUS ?</a:t>
             </a:r>
           </a:p>
@@ -25894,7 +25887,7 @@
         </p:nvSpPr>
         <p:spPr>
           <a:xfrm>
-            <a:off x="12048593" y="13081000"/>
+            <a:off x="22741474" y="12689878"/>
             <a:ext cx="274114" cy="471924"/>
           </a:xfrm>
         </p:spPr>
@@ -25924,7 +25917,7 @@
         </p:nvSpPr>
         <p:spPr>
           <a:xfrm>
-            <a:off x="532660" y="11766550"/>
+            <a:off x="3888636" y="11997382"/>
             <a:ext cx="20495364" cy="461665"/>
           </a:xfrm>
           <a:prstGeom prst="rect">
@@ -25942,6 +25935,31 @@
               <a:rPr lang="fr-FR" sz="2400" dirty="0"/>
               <a:t>ILÏAS SOUIDI                                                         OUSMANE SYLLA                                       FODE MAGASSOUBA</a:t>
             </a:r>
+          </a:p>
+        </p:txBody>
+      </p:sp>
+      <p:sp>
+        <p:nvSpPr>
+          <p:cNvPr id="2" name="Espace réservé du pied de page 1">
+            <a:extLst>
+              <a:ext uri="{FF2B5EF4-FFF2-40B4-BE49-F238E27FC236}">
+                <a16:creationId xmlns:a16="http://schemas.microsoft.com/office/drawing/2014/main" id="{AEEFFEDB-432C-4FA2-9481-F6D62C80CBE4}"/>
+              </a:ext>
+            </a:extLst>
+          </p:cNvPr>
+          <p:cNvSpPr>
+            <a:spLocks noGrp="1"/>
+          </p:cNvSpPr>
+          <p:nvPr>
+            <p:ph type="ftr" sz="quarter" idx="11"/>
+          </p:nvPr>
+        </p:nvSpPr>
+        <p:spPr/>
+        <p:txBody>
+          <a:bodyPr/>
+          <a:lstStyle/>
+          <a:p>
+            <a:endParaRPr lang="fr-FR" dirty="0"/>
           </a:p>
         </p:txBody>
       </p:sp>
@@ -26161,6 +26179,31 @@
           </a:graphicData>
         </a:graphic>
       </p:graphicFrame>
+      <p:sp>
+        <p:nvSpPr>
+          <p:cNvPr id="3" name="Espace réservé du pied de page 2">
+            <a:extLst>
+              <a:ext uri="{FF2B5EF4-FFF2-40B4-BE49-F238E27FC236}">
+                <a16:creationId xmlns:a16="http://schemas.microsoft.com/office/drawing/2014/main" id="{C4B5F06B-B755-4AF5-8067-ADD52E951DF3}"/>
+              </a:ext>
+            </a:extLst>
+          </p:cNvPr>
+          <p:cNvSpPr>
+            <a:spLocks noGrp="1"/>
+          </p:cNvSpPr>
+          <p:nvPr>
+            <p:ph type="ftr" sz="quarter" idx="11"/>
+          </p:nvPr>
+        </p:nvSpPr>
+        <p:spPr/>
+        <p:txBody>
+          <a:bodyPr/>
+          <a:lstStyle/>
+          <a:p>
+            <a:endParaRPr lang="fr-FR"/>
+          </a:p>
+        </p:txBody>
+      </p:sp>
     </p:spTree>
     <p:extLst>
       <p:ext uri="{BB962C8B-B14F-4D97-AF65-F5344CB8AC3E}">
@@ -26362,7 +26405,7 @@
         </p:blipFill>
         <p:spPr>
           <a:xfrm>
-            <a:off x="9308594" y="10"/>
+            <a:off x="9258300" y="10"/>
             <a:ext cx="15075408" cy="13715990"/>
           </a:xfrm>
           <a:prstGeom prst="rect">
@@ -26548,6 +26591,65 @@
           </a:p>
         </p:txBody>
       </p:sp>
+      <p:sp>
+        <p:nvSpPr>
+          <p:cNvPr id="3" name="Espace réservé du pied de page 2">
+            <a:extLst>
+              <a:ext uri="{FF2B5EF4-FFF2-40B4-BE49-F238E27FC236}">
+                <a16:creationId xmlns:a16="http://schemas.microsoft.com/office/drawing/2014/main" id="{E71874A2-C061-44BD-9BF6-D929C5761DA8}"/>
+              </a:ext>
+            </a:extLst>
+          </p:cNvPr>
+          <p:cNvSpPr>
+            <a:spLocks noGrp="1"/>
+          </p:cNvSpPr>
+          <p:nvPr>
+            <p:ph type="ftr" sz="quarter" idx="11"/>
+          </p:nvPr>
+        </p:nvSpPr>
+        <p:spPr/>
+        <p:txBody>
+          <a:bodyPr/>
+          <a:lstStyle/>
+          <a:p>
+            <a:endParaRPr lang="fr-FR"/>
+          </a:p>
+        </p:txBody>
+      </p:sp>
+      <p:sp>
+        <p:nvSpPr>
+          <p:cNvPr id="5" name="Espace réservé du numéro de diapositive 4">
+            <a:extLst>
+              <a:ext uri="{FF2B5EF4-FFF2-40B4-BE49-F238E27FC236}">
+                <a16:creationId xmlns:a16="http://schemas.microsoft.com/office/drawing/2014/main" id="{FBBA2F0A-BCF4-4C2F-9FFD-715E5F766AC8}"/>
+              </a:ext>
+            </a:extLst>
+          </p:cNvPr>
+          <p:cNvSpPr>
+            <a:spLocks noGrp="1"/>
+          </p:cNvSpPr>
+          <p:nvPr>
+            <p:ph type="sldNum" sz="quarter" idx="12"/>
+          </p:nvPr>
+        </p:nvSpPr>
+        <p:spPr>
+          <a:xfrm>
+            <a:off x="21024194" y="12496801"/>
+            <a:ext cx="1507090" cy="730250"/>
+          </a:xfrm>
+        </p:spPr>
+        <p:txBody>
+          <a:bodyPr/>
+          <a:lstStyle/>
+          <a:p>
+            <a:fld id="{A3DA7374-8109-481C-94D8-A94742B55AD2}" type="slidenum">
+              <a:rPr lang="fr-FR" smtClean="0"/>
+              <a:t>11</a:t>
+            </a:fld>
+            <a:endParaRPr lang="fr-FR" dirty="0"/>
+          </a:p>
+        </p:txBody>
+      </p:sp>
     </p:spTree>
     <p:extLst>
       <p:ext uri="{BB962C8B-B14F-4D97-AF65-F5344CB8AC3E}">
@@ -26583,7 +26685,7 @@
           <p:cNvPr id="2" name="Titre 1">
             <a:extLst>
               <a:ext uri="{FF2B5EF4-FFF2-40B4-BE49-F238E27FC236}">
-                <a16:creationId xmlns:a16="http://schemas.microsoft.com/office/drawing/2014/main" id="{C06B4BAA-F3E5-47A9-8DA9-AE702A5BFA3A}"/>
+                <a16:creationId xmlns:a16="http://schemas.microsoft.com/office/drawing/2014/main" id="{6901E294-C3DB-4149-B4B6-73D896981ADE}"/>
               </a:ext>
             </a:extLst>
           </p:cNvPr>
@@ -26601,7 +26703,7 @@
           <a:p>
             <a:r>
               <a:rPr lang="fr-FR" dirty="0"/>
-              <a:t>Interface  de l’application</a:t>
+              <a:t>CONCLUSION</a:t>
             </a:r>
           </a:p>
         </p:txBody>
@@ -26611,7 +26713,7 @@
           <p:cNvPr id="3" name="Espace réservé du contenu 2">
             <a:extLst>
               <a:ext uri="{FF2B5EF4-FFF2-40B4-BE49-F238E27FC236}">
-                <a16:creationId xmlns:a16="http://schemas.microsoft.com/office/drawing/2014/main" id="{C3BE0D9A-AB10-4B98-AE11-16A770D58F5A}"/>
+                <a16:creationId xmlns:a16="http://schemas.microsoft.com/office/drawing/2014/main" id="{B3DD00AA-3B30-4796-9016-5B23FAE87548}"/>
               </a:ext>
             </a:extLst>
           </p:cNvPr>
@@ -26620,6 +26722,44 @@
           </p:cNvSpPr>
           <p:nvPr>
             <p:ph idx="1"/>
+          </p:nvPr>
+        </p:nvSpPr>
+        <p:spPr>
+          <a:xfrm>
+            <a:off x="1827589" y="6295317"/>
+            <a:ext cx="20707524" cy="2589889"/>
+          </a:xfrm>
+        </p:spPr>
+        <p:txBody>
+          <a:bodyPr>
+            <a:normAutofit/>
+          </a:bodyPr>
+          <a:lstStyle/>
+          <a:p>
+            <a:pPr marL="73800" indent="0" algn="ctr">
+              <a:buNone/>
+            </a:pPr>
+            <a:r>
+              <a:rPr lang="fr-FR" sz="4400" u="sng" dirty="0"/>
+              <a:t>POURQUOI NOUS ?</a:t>
+            </a:r>
+          </a:p>
+        </p:txBody>
+      </p:sp>
+      <p:sp>
+        <p:nvSpPr>
+          <p:cNvPr id="4" name="Espace réservé du pied de page 3">
+            <a:extLst>
+              <a:ext uri="{FF2B5EF4-FFF2-40B4-BE49-F238E27FC236}">
+                <a16:creationId xmlns:a16="http://schemas.microsoft.com/office/drawing/2014/main" id="{137FF387-1313-4F4E-9684-EDB50461F4C6}"/>
+              </a:ext>
+            </a:extLst>
+          </p:cNvPr>
+          <p:cNvSpPr>
+            <a:spLocks noGrp="1"/>
+          </p:cNvSpPr>
+          <p:nvPr>
+            <p:ph type="ftr" sz="quarter" idx="11"/>
           </p:nvPr>
         </p:nvSpPr>
         <p:spPr/>
@@ -26631,10 +26771,39 @@
           </a:p>
         </p:txBody>
       </p:sp>
+      <p:sp>
+        <p:nvSpPr>
+          <p:cNvPr id="5" name="Espace réservé du numéro de diapositive 4">
+            <a:extLst>
+              <a:ext uri="{FF2B5EF4-FFF2-40B4-BE49-F238E27FC236}">
+                <a16:creationId xmlns:a16="http://schemas.microsoft.com/office/drawing/2014/main" id="{84B638C7-6ABA-4C88-A38D-B1466F9A24E1}"/>
+              </a:ext>
+            </a:extLst>
+          </p:cNvPr>
+          <p:cNvSpPr>
+            <a:spLocks noGrp="1"/>
+          </p:cNvSpPr>
+          <p:nvPr>
+            <p:ph type="sldNum" sz="quarter" idx="12"/>
+          </p:nvPr>
+        </p:nvSpPr>
+        <p:spPr/>
+        <p:txBody>
+          <a:bodyPr/>
+          <a:lstStyle/>
+          <a:p>
+            <a:fld id="{A3DA7374-8109-481C-94D8-A94742B55AD2}" type="slidenum">
+              <a:rPr lang="fr-FR" smtClean="0"/>
+              <a:t>12</a:t>
+            </a:fld>
+            <a:endParaRPr lang="fr-FR"/>
+          </a:p>
+        </p:txBody>
+      </p:sp>
     </p:spTree>
     <p:extLst>
       <p:ext uri="{BB962C8B-B14F-4D97-AF65-F5344CB8AC3E}">
-        <p14:creationId xmlns:p14="http://schemas.microsoft.com/office/powerpoint/2010/main" val="2488289576"/>
+        <p14:creationId xmlns:p14="http://schemas.microsoft.com/office/powerpoint/2010/main" val="2749825764"/>
       </p:ext>
     </p:extLst>
   </p:cSld>
@@ -27317,7 +27486,7 @@
           <a:lstStyle/>
           <a:p>
             <a:r>
-              <a:rPr lang="fr-FR">
+              <a:rPr lang="fr-FR" dirty="0">
                 <a:solidFill>
                   <a:schemeClr val="tx1"/>
                 </a:solidFill>
@@ -27327,17 +27496,7 @@
           </a:p>
           <a:p>
             <a:r>
-              <a:rPr lang="fr-FR">
-                <a:solidFill>
-                  <a:schemeClr val="tx1"/>
-                </a:solidFill>
-              </a:rPr>
-              <a:t>Le manque d’argent</a:t>
-            </a:r>
-          </a:p>
-          <a:p>
-            <a:r>
-              <a:rPr lang="fr-FR">
+              <a:rPr lang="fr-FR" dirty="0">
                 <a:solidFill>
                   <a:schemeClr val="tx1"/>
                 </a:solidFill>
@@ -27347,7 +27506,7 @@
           </a:p>
           <a:p>
             <a:r>
-              <a:rPr lang="fr-FR">
+              <a:rPr lang="fr-FR" dirty="0">
                 <a:solidFill>
                   <a:schemeClr val="tx1"/>
                 </a:solidFill>
@@ -27357,7 +27516,7 @@
           </a:p>
           <a:p>
             <a:r>
-              <a:rPr lang="fr-FR">
+              <a:rPr lang="fr-FR" dirty="0">
                 <a:solidFill>
                   <a:schemeClr val="tx1"/>
                 </a:solidFill>
@@ -27367,22 +27526,38 @@
           </a:p>
           <a:p>
             <a:r>
-              <a:rPr lang="fr-FR">
+              <a:rPr lang="fr-FR" dirty="0">
                 <a:solidFill>
                   <a:schemeClr val="tx1"/>
                 </a:solidFill>
               </a:rPr>
-              <a:t>L’utilisation du roomservice non optimale</a:t>
+              <a:t>L’utilisation du </a:t>
+            </a:r>
+            <a:r>
+              <a:rPr lang="fr-FR" dirty="0" err="1">
+                <a:solidFill>
+                  <a:schemeClr val="tx1"/>
+                </a:solidFill>
+              </a:rPr>
+              <a:t>room-service</a:t>
+            </a:r>
+            <a:r>
+              <a:rPr lang="fr-FR" dirty="0">
+                <a:solidFill>
+                  <a:schemeClr val="tx1"/>
+                </a:solidFill>
+              </a:rPr>
+              <a:t> non optimale</a:t>
             </a:r>
           </a:p>
           <a:p>
             <a:r>
-              <a:rPr lang="fr-FR">
+              <a:rPr lang="fr-FR" dirty="0">
                 <a:solidFill>
                   <a:schemeClr val="tx1"/>
                 </a:solidFill>
               </a:rPr>
-              <a:t>Expérience professionnelle </a:t>
+              <a:t>Expérience personnelle </a:t>
             </a:r>
           </a:p>
         </p:txBody>
@@ -27429,6 +27604,31 @@
               </a:pPr>
               <a:t>2</a:t>
             </a:fld>
+            <a:endParaRPr lang="fr-FR"/>
+          </a:p>
+        </p:txBody>
+      </p:sp>
+      <p:sp>
+        <p:nvSpPr>
+          <p:cNvPr id="3" name="Espace réservé du pied de page 2">
+            <a:extLst>
+              <a:ext uri="{FF2B5EF4-FFF2-40B4-BE49-F238E27FC236}">
+                <a16:creationId xmlns:a16="http://schemas.microsoft.com/office/drawing/2014/main" id="{A013F67F-A9C3-4584-BFC5-DD3511CAC823}"/>
+              </a:ext>
+            </a:extLst>
+          </p:cNvPr>
+          <p:cNvSpPr>
+            <a:spLocks noGrp="1"/>
+          </p:cNvSpPr>
+          <p:nvPr>
+            <p:ph type="ftr" sz="quarter" idx="11"/>
+          </p:nvPr>
+        </p:nvSpPr>
+        <p:spPr/>
+        <p:txBody>
+          <a:bodyPr/>
+          <a:lstStyle/>
+          <a:p>
             <a:endParaRPr lang="fr-FR"/>
           </a:p>
         </p:txBody>
@@ -27618,6 +27818,31 @@
           </a:p>
         </p:txBody>
       </p:sp>
+      <p:sp>
+        <p:nvSpPr>
+          <p:cNvPr id="3" name="Espace réservé du pied de page 2">
+            <a:extLst>
+              <a:ext uri="{FF2B5EF4-FFF2-40B4-BE49-F238E27FC236}">
+                <a16:creationId xmlns:a16="http://schemas.microsoft.com/office/drawing/2014/main" id="{62FC14CD-F460-4737-83C4-5403606C964C}"/>
+              </a:ext>
+            </a:extLst>
+          </p:cNvPr>
+          <p:cNvSpPr>
+            <a:spLocks noGrp="1"/>
+          </p:cNvSpPr>
+          <p:nvPr>
+            <p:ph type="ftr" sz="quarter" idx="11"/>
+          </p:nvPr>
+        </p:nvSpPr>
+        <p:spPr/>
+        <p:txBody>
+          <a:bodyPr/>
+          <a:lstStyle/>
+          <a:p>
+            <a:endParaRPr lang="fr-FR"/>
+          </a:p>
+        </p:txBody>
+      </p:sp>
     </p:spTree>
     <p:extLst>
       <p:ext uri="{BB962C8B-B14F-4D97-AF65-F5344CB8AC3E}">
@@ -27756,6 +27981,31 @@
               </a:pPr>
               <a:t>4</a:t>
             </a:fld>
+            <a:endParaRPr lang="fr-FR"/>
+          </a:p>
+        </p:txBody>
+      </p:sp>
+      <p:sp>
+        <p:nvSpPr>
+          <p:cNvPr id="3" name="Espace réservé du pied de page 2">
+            <a:extLst>
+              <a:ext uri="{FF2B5EF4-FFF2-40B4-BE49-F238E27FC236}">
+                <a16:creationId xmlns:a16="http://schemas.microsoft.com/office/drawing/2014/main" id="{ED472C5B-B1B0-4FA6-91A8-3C16A00D0C85}"/>
+              </a:ext>
+            </a:extLst>
+          </p:cNvPr>
+          <p:cNvSpPr>
+            <a:spLocks noGrp="1"/>
+          </p:cNvSpPr>
+          <p:nvPr>
+            <p:ph type="ftr" sz="quarter" idx="11"/>
+          </p:nvPr>
+        </p:nvSpPr>
+        <p:spPr/>
+        <p:txBody>
+          <a:bodyPr/>
+          <a:lstStyle/>
+          <a:p>
             <a:endParaRPr lang="fr-FR"/>
           </a:p>
         </p:txBody>
@@ -27902,6 +28152,31 @@
           </a:p>
         </p:txBody>
       </p:sp>
+      <p:sp>
+        <p:nvSpPr>
+          <p:cNvPr id="3" name="Espace réservé du pied de page 2">
+            <a:extLst>
+              <a:ext uri="{FF2B5EF4-FFF2-40B4-BE49-F238E27FC236}">
+                <a16:creationId xmlns:a16="http://schemas.microsoft.com/office/drawing/2014/main" id="{6A31A610-701F-4C62-82AD-75129A9AFFC7}"/>
+              </a:ext>
+            </a:extLst>
+          </p:cNvPr>
+          <p:cNvSpPr>
+            <a:spLocks noGrp="1"/>
+          </p:cNvSpPr>
+          <p:nvPr>
+            <p:ph type="ftr" sz="quarter" idx="11"/>
+          </p:nvPr>
+        </p:nvSpPr>
+        <p:spPr/>
+        <p:txBody>
+          <a:bodyPr/>
+          <a:lstStyle/>
+          <a:p>
+            <a:endParaRPr lang="fr-FR"/>
+          </a:p>
+        </p:txBody>
+      </p:sp>
     </p:spTree>
     <p:extLst>
       <p:ext uri="{BB962C8B-B14F-4D97-AF65-F5344CB8AC3E}">
@@ -28043,6 +28318,31 @@
           </a:p>
         </p:txBody>
       </p:sp>
+      <p:sp>
+        <p:nvSpPr>
+          <p:cNvPr id="3" name="Espace réservé du pied de page 2">
+            <a:extLst>
+              <a:ext uri="{FF2B5EF4-FFF2-40B4-BE49-F238E27FC236}">
+                <a16:creationId xmlns:a16="http://schemas.microsoft.com/office/drawing/2014/main" id="{D5A29966-05AE-46A2-BB7E-D8149A31BA19}"/>
+              </a:ext>
+            </a:extLst>
+          </p:cNvPr>
+          <p:cNvSpPr>
+            <a:spLocks noGrp="1"/>
+          </p:cNvSpPr>
+          <p:nvPr>
+            <p:ph type="ftr" sz="quarter" idx="11"/>
+          </p:nvPr>
+        </p:nvSpPr>
+        <p:spPr/>
+        <p:txBody>
+          <a:bodyPr/>
+          <a:lstStyle/>
+          <a:p>
+            <a:endParaRPr lang="fr-FR"/>
+          </a:p>
+        </p:txBody>
+      </p:sp>
     </p:spTree>
     <p:extLst>
       <p:ext uri="{BB962C8B-B14F-4D97-AF65-F5344CB8AC3E}">
@@ -28177,6 +28477,31 @@
               </a:pPr>
               <a:t>7</a:t>
             </a:fld>
+            <a:endParaRPr lang="fr-FR"/>
+          </a:p>
+        </p:txBody>
+      </p:sp>
+      <p:sp>
+        <p:nvSpPr>
+          <p:cNvPr id="3" name="Espace réservé du pied de page 2">
+            <a:extLst>
+              <a:ext uri="{FF2B5EF4-FFF2-40B4-BE49-F238E27FC236}">
+                <a16:creationId xmlns:a16="http://schemas.microsoft.com/office/drawing/2014/main" id="{2243A8A4-4266-4E97-8173-8F8A08B7AEC6}"/>
+              </a:ext>
+            </a:extLst>
+          </p:cNvPr>
+          <p:cNvSpPr>
+            <a:spLocks noGrp="1"/>
+          </p:cNvSpPr>
+          <p:nvPr>
+            <p:ph type="ftr" sz="quarter" idx="11"/>
+          </p:nvPr>
+        </p:nvSpPr>
+        <p:spPr/>
+        <p:txBody>
+          <a:bodyPr/>
+          <a:lstStyle/>
+          <a:p>
             <a:endParaRPr lang="fr-FR"/>
           </a:p>
         </p:txBody>
@@ -28970,6 +29295,31 @@
           </a:p>
         </p:txBody>
       </p:sp>
+      <p:sp>
+        <p:nvSpPr>
+          <p:cNvPr id="5" name="Espace réservé du pied de page 4">
+            <a:extLst>
+              <a:ext uri="{FF2B5EF4-FFF2-40B4-BE49-F238E27FC236}">
+                <a16:creationId xmlns:a16="http://schemas.microsoft.com/office/drawing/2014/main" id="{88DD43B1-B129-496A-9491-8C4198A93938}"/>
+              </a:ext>
+            </a:extLst>
+          </p:cNvPr>
+          <p:cNvSpPr>
+            <a:spLocks noGrp="1"/>
+          </p:cNvSpPr>
+          <p:nvPr>
+            <p:ph type="ftr" sz="quarter" idx="11"/>
+          </p:nvPr>
+        </p:nvSpPr>
+        <p:spPr/>
+        <p:txBody>
+          <a:bodyPr/>
+          <a:lstStyle/>
+          <a:p>
+            <a:endParaRPr lang="fr-FR"/>
+          </a:p>
+        </p:txBody>
+      </p:sp>
     </p:spTree>
     <p:extLst>
       <p:ext uri="{BB962C8B-B14F-4D97-AF65-F5344CB8AC3E}">
@@ -29142,6 +29492,60 @@
           </a:graphicData>
         </a:graphic>
       </p:graphicFrame>
+      <p:sp>
+        <p:nvSpPr>
+          <p:cNvPr id="3" name="Espace réservé du pied de page 2">
+            <a:extLst>
+              <a:ext uri="{FF2B5EF4-FFF2-40B4-BE49-F238E27FC236}">
+                <a16:creationId xmlns:a16="http://schemas.microsoft.com/office/drawing/2014/main" id="{271FAA3B-CE36-4868-8AEF-824B437D7D74}"/>
+              </a:ext>
+            </a:extLst>
+          </p:cNvPr>
+          <p:cNvSpPr>
+            <a:spLocks noGrp="1"/>
+          </p:cNvSpPr>
+          <p:nvPr>
+            <p:ph type="ftr" sz="quarter" idx="11"/>
+          </p:nvPr>
+        </p:nvSpPr>
+        <p:spPr/>
+        <p:txBody>
+          <a:bodyPr/>
+          <a:lstStyle/>
+          <a:p>
+            <a:endParaRPr lang="fr-FR"/>
+          </a:p>
+        </p:txBody>
+      </p:sp>
+      <p:sp>
+        <p:nvSpPr>
+          <p:cNvPr id="4" name="Espace réservé du numéro de diapositive 3">
+            <a:extLst>
+              <a:ext uri="{FF2B5EF4-FFF2-40B4-BE49-F238E27FC236}">
+                <a16:creationId xmlns:a16="http://schemas.microsoft.com/office/drawing/2014/main" id="{7175C42D-5CDA-4354-BA16-801DA28C6C77}"/>
+              </a:ext>
+            </a:extLst>
+          </p:cNvPr>
+          <p:cNvSpPr>
+            <a:spLocks noGrp="1"/>
+          </p:cNvSpPr>
+          <p:nvPr>
+            <p:ph type="sldNum" sz="quarter" idx="12"/>
+          </p:nvPr>
+        </p:nvSpPr>
+        <p:spPr/>
+        <p:txBody>
+          <a:bodyPr/>
+          <a:lstStyle/>
+          <a:p>
+            <a:fld id="{A3DA7374-8109-481C-94D8-A94742B55AD2}" type="slidenum">
+              <a:rPr lang="fr-FR" smtClean="0"/>
+              <a:t>9</a:t>
+            </a:fld>
+            <a:endParaRPr lang="fr-FR"/>
+          </a:p>
+        </p:txBody>
+      </p:sp>
     </p:spTree>
     <p:extLst>
       <p:ext uri="{BB962C8B-B14F-4D97-AF65-F5344CB8AC3E}">
